--- a/Calendario2019/SituacionProblema/SITUACION2.pptx
+++ b/Calendario2019/SituacionProblema/SITUACION2.pptx
@@ -241,7 +241,7 @@
           <a:p>
             <a:fld id="{695A0289-3443-4E5C-835E-E6989190AD75}" type="datetimeFigureOut">
               <a:rPr lang="es-MX" smtClean="0"/>
-              <a:t>03/12/2019</a:t>
+              <a:t>05/12/2019</a:t>
             </a:fld>
             <a:endParaRPr lang="es-MX"/>
           </a:p>
@@ -2908,7 +2908,7 @@
           <a:p>
             <a:fld id="{1D8BD707-D9CF-40AE-B4C6-C98DA3205C09}" type="datetimeFigureOut">
               <a:rPr lang="en-US" smtClean="0"/>
-              <a:t>12/3/2019</a:t>
+              <a:t>12/5/2019</a:t>
             </a:fld>
             <a:endParaRPr lang="en-US"/>
           </a:p>
@@ -3070,7 +3070,7 @@
           <a:p>
             <a:fld id="{1D8BD707-D9CF-40AE-B4C6-C98DA3205C09}" type="datetimeFigureOut">
               <a:rPr lang="en-US" smtClean="0"/>
-              <a:t>12/3/2019</a:t>
+              <a:t>12/5/2019</a:t>
             </a:fld>
             <a:endParaRPr lang="en-US"/>
           </a:p>
@@ -3992,7 +3992,7 @@
           <a:p>
             <a:fld id="{1D8BD707-D9CF-40AE-B4C6-C98DA3205C09}" type="datetimeFigureOut">
               <a:rPr lang="en-US" smtClean="0"/>
-              <a:t>12/3/2019</a:t>
+              <a:t>12/5/2019</a:t>
             </a:fld>
             <a:endParaRPr lang="en-US"/>
           </a:p>
@@ -4135,7 +4135,7 @@
           <a:p>
             <a:fld id="{1D8BD707-D9CF-40AE-B4C6-C98DA3205C09}" type="datetimeFigureOut">
               <a:rPr lang="en-US" smtClean="0"/>
-              <a:t>12/3/2019</a:t>
+              <a:t>12/5/2019</a:t>
             </a:fld>
             <a:endParaRPr lang="en-US"/>
           </a:p>
@@ -8067,7 +8067,7 @@
           <a:p>
             <a:fld id="{1D8BD707-D9CF-40AE-B4C6-C98DA3205C09}" type="datetimeFigureOut">
               <a:rPr lang="en-US" smtClean="0"/>
-              <a:t>12/3/2019</a:t>
+              <a:t>12/5/2019</a:t>
             </a:fld>
             <a:endParaRPr lang="en-US"/>
           </a:p>
@@ -8328,7 +8328,7 @@
           <a:p>
             <a:fld id="{1D8BD707-D9CF-40AE-B4C6-C98DA3205C09}" type="datetimeFigureOut">
               <a:rPr lang="en-US" smtClean="0"/>
-              <a:t>12/3/2019</a:t>
+              <a:t>12/5/2019</a:t>
             </a:fld>
             <a:endParaRPr lang="en-US"/>
           </a:p>
@@ -39737,7 +39737,7 @@
                 </a:solidFill>
                 <a:cs typeface="Calibri"/>
               </a:rPr>
-              <a:t>LOS 5 PRODUCTOS MÁS VENDIDOS DE CIEL</a:t>
+              <a:t>LOS 3 PRODUCTOS MÁS VENDIDOS DE CIEL</a:t>
             </a:r>
           </a:p>
           <a:p>
@@ -41417,7 +41417,7 @@
                 </a:solidFill>
                 <a:cs typeface="Calibri"/>
               </a:rPr>
-              <a:t>LOS 3 PRODUCTOS MÁS VENDIDOS DE JUMEX</a:t>
+              <a:t>LOS 2 PRODUCTOS MÁS VENDIDOS DE JUMEX</a:t>
             </a:r>
           </a:p>
           <a:p>

--- a/Calendario2019/SituacionProblema/SITUACION2.pptx
+++ b/Calendario2019/SituacionProblema/SITUACION2.pptx
@@ -47937,7 +47937,7 @@
                 </a:solidFill>
                 <a:cs typeface="Calibri"/>
               </a:rPr>
-              <a:t>1. Los 10 productos con más bonos</a:t>
+              <a:t>1. Los 10 comercios con más bonos</a:t>
             </a:r>
           </a:p>
         </p:txBody>
@@ -48361,7 +48361,7 @@
                 </a:solidFill>
                 <a:cs typeface="Calibri"/>
               </a:rPr>
-              <a:t>LOS 10 PRODUCTOS CON MÁS BONOS</a:t>
+              <a:t>LOS 10 COMERCIOS CON MÁS BONOS</a:t>
             </a:r>
           </a:p>
           <a:p>
@@ -48379,10 +48379,19 @@
                 </a:solidFill>
                 <a:cs typeface="Calibri"/>
               </a:rPr>
-              <a:t>Título de los ejes: </a:t>
-            </a:r>
-            <a:r>
-              <a:rPr lang="es-MX" sz="1600" b="1" spc="-10" dirty="0">
+              <a:t>Título de los ejes</a:t>
+            </a:r>
+            <a:r>
+              <a:rPr lang="es-MX" sz="1600" spc="-10">
+                <a:solidFill>
+                  <a:srgbClr val="C5DAEB"/>
+                </a:solidFill>
+                <a:cs typeface="Calibri"/>
+              </a:rPr>
+              <a:t>: </a:t>
+            </a:r>
+            <a:r>
+              <a:rPr lang="es-MX" sz="1600" b="1" spc="-10">
                 <a:solidFill>
                   <a:schemeClr val="accent6">
                     <a:lumMod val="75000"/>
@@ -48390,10 +48399,10 @@
                 </a:solidFill>
                 <a:cs typeface="Calibri"/>
               </a:rPr>
-              <a:t>PRODUCTOS</a:t>
-            </a:r>
-            <a:r>
-              <a:rPr lang="es-MX" sz="1600" b="1" spc="-10" dirty="0">
+              <a:t>COMERCIOS</a:t>
+            </a:r>
+            <a:r>
+              <a:rPr lang="es-MX" sz="1600" b="1" spc="-10">
                 <a:solidFill>
                   <a:srgbClr val="C5DAEB"/>
                 </a:solidFill>

--- a/Calendario2019/SituacionProblema/SITUACION2.pptx
+++ b/Calendario2019/SituacionProblema/SITUACION2.pptx
@@ -37135,25 +37135,7 @@
                 </a:solidFill>
                 <a:cs typeface="Calibri"/>
               </a:rPr>
-              <a:t>También les obsequiará un refrigerador a estos 10 comercios. Cada comercio necesita identificar los diez productos que colocará en estos refrigeradores, la elección está alineada a las </a:t>
-            </a:r>
-            <a:r>
-              <a:rPr lang="es-MX" sz="1400" b="1" dirty="0">
-                <a:solidFill>
-                  <a:srgbClr val="FFC000"/>
-                </a:solidFill>
-                <a:cs typeface="Calibri"/>
-              </a:rPr>
-              <a:t>Ventas</a:t>
-            </a:r>
-            <a:r>
-              <a:rPr lang="es-MX" sz="1400" dirty="0">
-                <a:solidFill>
-                  <a:srgbClr val="C5DAEB"/>
-                </a:solidFill>
-                <a:cs typeface="Calibri"/>
-              </a:rPr>
-              <a:t>. Apóyate con los segmentos de datos necesarios para la elección de las Marcas y configura las conexiones de informe según se requiera.</a:t>
+              <a:t>También les obsequiará un refrigerador a estos 10 comercios. Cada comercio necesita identificar los diez productos que colocará en estos refrigeradores, la elección está alineada a las Ventas. Apóyate con los segmentos de datos necesarios para la elección de las Marcas y configura las conexiones de informe según se requiera.</a:t>
             </a:r>
           </a:p>
           <a:p>
